--- a/席画像.pptx
+++ b/席画像.pptx
@@ -104,6 +104,11 @@
       </a:defRPr>
     </a:lvl9pPr>
   </p:defaultTextStyle>
+  <p:extLst>
+    <p:ext uri="{EFAFB233-063F-42B5-8137-9DF3F51BA10A}">
+      <p15:sldGuideLst xmlns:p15="http://schemas.microsoft.com/office/powerpoint/2012/main"/>
+    </p:ext>
+  </p:extLst>
 </p:presentation>
 </file>
 
@@ -238,7 +243,7 @@
           <a:p>
             <a:fld id="{532A4602-F381-4DD0-A458-1B985A438436}" type="datetimeFigureOut">
               <a:rPr kumimoji="1" lang="ja-JP" altLang="en-US" smtClean="0"/>
-              <a:t>2020/2/7</a:t>
+              <a:t>2020/2/8</a:t>
             </a:fld>
             <a:endParaRPr kumimoji="1" lang="ja-JP" altLang="en-US"/>
           </a:p>
@@ -440,7 +445,7 @@
           <a:p>
             <a:fld id="{532A4602-F381-4DD0-A458-1B985A438436}" type="datetimeFigureOut">
               <a:rPr kumimoji="1" lang="ja-JP" altLang="en-US" smtClean="0"/>
-              <a:t>2020/2/7</a:t>
+              <a:t>2020/2/8</a:t>
             </a:fld>
             <a:endParaRPr kumimoji="1" lang="ja-JP" altLang="en-US"/>
           </a:p>
@@ -652,7 +657,7 @@
           <a:p>
             <a:fld id="{532A4602-F381-4DD0-A458-1B985A438436}" type="datetimeFigureOut">
               <a:rPr kumimoji="1" lang="ja-JP" altLang="en-US" smtClean="0"/>
-              <a:t>2020/2/7</a:t>
+              <a:t>2020/2/8</a:t>
             </a:fld>
             <a:endParaRPr kumimoji="1" lang="ja-JP" altLang="en-US"/>
           </a:p>
@@ -854,7 +859,7 @@
           <a:p>
             <a:fld id="{532A4602-F381-4DD0-A458-1B985A438436}" type="datetimeFigureOut">
               <a:rPr kumimoji="1" lang="ja-JP" altLang="en-US" smtClean="0"/>
-              <a:t>2020/2/7</a:t>
+              <a:t>2020/2/8</a:t>
             </a:fld>
             <a:endParaRPr kumimoji="1" lang="ja-JP" altLang="en-US"/>
           </a:p>
@@ -1098,7 +1103,7 @@
           <a:p>
             <a:fld id="{532A4602-F381-4DD0-A458-1B985A438436}" type="datetimeFigureOut">
               <a:rPr kumimoji="1" lang="ja-JP" altLang="en-US" smtClean="0"/>
-              <a:t>2020/2/7</a:t>
+              <a:t>2020/2/8</a:t>
             </a:fld>
             <a:endParaRPr kumimoji="1" lang="ja-JP" altLang="en-US"/>
           </a:p>
@@ -1394,7 +1399,7 @@
           <a:p>
             <a:fld id="{532A4602-F381-4DD0-A458-1B985A438436}" type="datetimeFigureOut">
               <a:rPr kumimoji="1" lang="ja-JP" altLang="en-US" smtClean="0"/>
-              <a:t>2020/2/7</a:t>
+              <a:t>2020/2/8</a:t>
             </a:fld>
             <a:endParaRPr kumimoji="1" lang="ja-JP" altLang="en-US"/>
           </a:p>
@@ -1825,7 +1830,7 @@
           <a:p>
             <a:fld id="{532A4602-F381-4DD0-A458-1B985A438436}" type="datetimeFigureOut">
               <a:rPr kumimoji="1" lang="ja-JP" altLang="en-US" smtClean="0"/>
-              <a:t>2020/2/7</a:t>
+              <a:t>2020/2/8</a:t>
             </a:fld>
             <a:endParaRPr kumimoji="1" lang="ja-JP" altLang="en-US"/>
           </a:p>
@@ -1943,7 +1948,7 @@
           <a:p>
             <a:fld id="{532A4602-F381-4DD0-A458-1B985A438436}" type="datetimeFigureOut">
               <a:rPr kumimoji="1" lang="ja-JP" altLang="en-US" smtClean="0"/>
-              <a:t>2020/2/7</a:t>
+              <a:t>2020/2/8</a:t>
             </a:fld>
             <a:endParaRPr kumimoji="1" lang="ja-JP" altLang="en-US"/>
           </a:p>
@@ -2038,7 +2043,7 @@
           <a:p>
             <a:fld id="{532A4602-F381-4DD0-A458-1B985A438436}" type="datetimeFigureOut">
               <a:rPr kumimoji="1" lang="ja-JP" altLang="en-US" smtClean="0"/>
-              <a:t>2020/2/7</a:t>
+              <a:t>2020/2/8</a:t>
             </a:fld>
             <a:endParaRPr kumimoji="1" lang="ja-JP" altLang="en-US"/>
           </a:p>
@@ -2347,7 +2352,7 @@
           <a:p>
             <a:fld id="{532A4602-F381-4DD0-A458-1B985A438436}" type="datetimeFigureOut">
               <a:rPr kumimoji="1" lang="ja-JP" altLang="en-US" smtClean="0"/>
-              <a:t>2020/2/7</a:t>
+              <a:t>2020/2/8</a:t>
             </a:fld>
             <a:endParaRPr kumimoji="1" lang="ja-JP" altLang="en-US"/>
           </a:p>
@@ -2604,7 +2609,7 @@
           <a:p>
             <a:fld id="{532A4602-F381-4DD0-A458-1B985A438436}" type="datetimeFigureOut">
               <a:rPr kumimoji="1" lang="ja-JP" altLang="en-US" smtClean="0"/>
-              <a:t>2020/2/7</a:t>
+              <a:t>2020/2/8</a:t>
             </a:fld>
             <a:endParaRPr kumimoji="1" lang="ja-JP" altLang="en-US"/>
           </a:p>
@@ -2849,7 +2854,7 @@
           <a:p>
             <a:fld id="{532A4602-F381-4DD0-A458-1B985A438436}" type="datetimeFigureOut">
               <a:rPr kumimoji="1" lang="ja-JP" altLang="en-US" smtClean="0"/>
-              <a:t>2020/2/7</a:t>
+              <a:t>2020/2/8</a:t>
             </a:fld>
             <a:endParaRPr kumimoji="1" lang="ja-JP" altLang="en-US"/>
           </a:p>
@@ -3328,8 +3333,8 @@
         </p:nvSpPr>
         <p:spPr>
           <a:xfrm>
-            <a:off x="1224793" y="1153487"/>
-            <a:ext cx="1275126" cy="708869"/>
+            <a:off x="864066" y="679509"/>
+            <a:ext cx="2449585" cy="5498982"/>
           </a:xfrm>
           <a:prstGeom prst="rect">
             <a:avLst/>
@@ -3362,7 +3367,59 @@
           <a:lstStyle/>
           <a:p>
             <a:pPr algn="ctr"/>
-            <a:endParaRPr kumimoji="1" lang="ja-JP" altLang="en-US"/>
+            <a:endParaRPr kumimoji="1" lang="ja-JP" altLang="en-US" dirty="0"/>
+          </a:p>
+        </p:txBody>
+      </p:sp>
+      <p:sp>
+        <p:nvSpPr>
+          <p:cNvPr id="10" name="正方形/長方形 9">
+            <a:extLst>
+              <a:ext uri="{FF2B5EF4-FFF2-40B4-BE49-F238E27FC236}">
+                <a16:creationId xmlns:a16="http://schemas.microsoft.com/office/drawing/2014/main" id="{39E72A44-6292-4EDC-8C3C-85D21CD40D51}"/>
+              </a:ext>
+            </a:extLst>
+          </p:cNvPr>
+          <p:cNvSpPr/>
+          <p:nvPr/>
+        </p:nvSpPr>
+        <p:spPr>
+          <a:xfrm>
+            <a:off x="5830351" y="679509"/>
+            <a:ext cx="2449585" cy="5498982"/>
+          </a:xfrm>
+          <a:prstGeom prst="rect">
+            <a:avLst/>
+          </a:prstGeom>
+          <a:solidFill>
+            <a:schemeClr val="accent5">
+              <a:lumMod val="60000"/>
+              <a:lumOff val="40000"/>
+            </a:schemeClr>
+          </a:solidFill>
+        </p:spPr>
+        <p:style>
+          <a:lnRef idx="2">
+            <a:schemeClr val="accent1">
+              <a:shade val="50000"/>
+            </a:schemeClr>
+          </a:lnRef>
+          <a:fillRef idx="1">
+            <a:schemeClr val="accent1"/>
+          </a:fillRef>
+          <a:effectRef idx="0">
+            <a:schemeClr val="accent1"/>
+          </a:effectRef>
+          <a:fontRef idx="minor">
+            <a:schemeClr val="lt1"/>
+          </a:fontRef>
+        </p:style>
+        <p:txBody>
+          <a:bodyPr rtlCol="0" anchor="ctr"/>
+          <a:lstStyle/>
+          <a:p>
+            <a:pPr algn="ctr"/>
+            <a:endParaRPr kumimoji="1" lang="ja-JP" altLang="en-US" dirty="0"/>
           </a:p>
         </p:txBody>
       </p:sp>
